--- a/Soutenance.pptx
+++ b/Soutenance.pptx
@@ -4020,7 +4020,7 @@
           <a:p>
             <a:fld id="{63A1C593-65D0-4073-BCC9-577B9352EA97}" type="datetimeFigureOut">
               <a:rPr lang="en-US" smtClean="0"/>
-              <a:t>3/4/2024</a:t>
+              <a:t>3/8/2024</a:t>
             </a:fld>
             <a:endParaRPr lang="en-US" dirty="0"/>
           </a:p>
@@ -4188,7 +4188,7 @@
           <a:p>
             <a:fld id="{63A1C593-65D0-4073-BCC9-577B9352EA97}" type="datetimeFigureOut">
               <a:rPr lang="en-US" smtClean="0"/>
-              <a:t>3/4/2024</a:t>
+              <a:t>3/8/2024</a:t>
             </a:fld>
             <a:endParaRPr lang="en-US" dirty="0"/>
           </a:p>
@@ -4366,7 +4366,7 @@
           <a:p>
             <a:fld id="{63A1C593-65D0-4073-BCC9-577B9352EA97}" type="datetimeFigureOut">
               <a:rPr lang="en-US" smtClean="0"/>
-              <a:t>3/4/2024</a:t>
+              <a:t>3/8/2024</a:t>
             </a:fld>
             <a:endParaRPr lang="en-US" dirty="0"/>
           </a:p>
@@ -4534,7 +4534,7 @@
           <a:p>
             <a:fld id="{63A1C593-65D0-4073-BCC9-577B9352EA97}" type="datetimeFigureOut">
               <a:rPr lang="en-US" smtClean="0"/>
-              <a:t>3/4/2024</a:t>
+              <a:t>3/8/2024</a:t>
             </a:fld>
             <a:endParaRPr lang="en-US" dirty="0"/>
           </a:p>
@@ -4779,7 +4779,7 @@
           <a:p>
             <a:fld id="{63A1C593-65D0-4073-BCC9-577B9352EA97}" type="datetimeFigureOut">
               <a:rPr lang="en-US" smtClean="0"/>
-              <a:t>3/4/2024</a:t>
+              <a:t>3/8/2024</a:t>
             </a:fld>
             <a:endParaRPr lang="en-US" dirty="0"/>
           </a:p>
@@ -5008,7 +5008,7 @@
           <a:p>
             <a:fld id="{63A1C593-65D0-4073-BCC9-577B9352EA97}" type="datetimeFigureOut">
               <a:rPr lang="en-US" smtClean="0"/>
-              <a:t>3/4/2024</a:t>
+              <a:t>3/8/2024</a:t>
             </a:fld>
             <a:endParaRPr lang="en-US" dirty="0"/>
           </a:p>
@@ -5372,7 +5372,7 @@
           <a:p>
             <a:fld id="{63A1C593-65D0-4073-BCC9-577B9352EA97}" type="datetimeFigureOut">
               <a:rPr lang="en-US" smtClean="0"/>
-              <a:t>3/4/2024</a:t>
+              <a:t>3/8/2024</a:t>
             </a:fld>
             <a:endParaRPr lang="en-US" dirty="0"/>
           </a:p>
@@ -5489,7 +5489,7 @@
           <a:p>
             <a:fld id="{63A1C593-65D0-4073-BCC9-577B9352EA97}" type="datetimeFigureOut">
               <a:rPr lang="en-US" smtClean="0"/>
-              <a:t>3/4/2024</a:t>
+              <a:t>3/8/2024</a:t>
             </a:fld>
             <a:endParaRPr lang="en-US" dirty="0"/>
           </a:p>
@@ -5584,7 +5584,7 @@
           <a:p>
             <a:fld id="{63A1C593-65D0-4073-BCC9-577B9352EA97}" type="datetimeFigureOut">
               <a:rPr lang="en-US" smtClean="0"/>
-              <a:t>3/4/2024</a:t>
+              <a:t>3/8/2024</a:t>
             </a:fld>
             <a:endParaRPr lang="en-US" dirty="0"/>
           </a:p>
@@ -5859,7 +5859,7 @@
           <a:p>
             <a:fld id="{63A1C593-65D0-4073-BCC9-577B9352EA97}" type="datetimeFigureOut">
               <a:rPr lang="en-US" smtClean="0"/>
-              <a:t>3/4/2024</a:t>
+              <a:t>3/8/2024</a:t>
             </a:fld>
             <a:endParaRPr lang="en-US" dirty="0"/>
           </a:p>
@@ -6111,7 +6111,7 @@
           <a:p>
             <a:fld id="{63A1C593-65D0-4073-BCC9-577B9352EA97}" type="datetimeFigureOut">
               <a:rPr lang="en-US" smtClean="0"/>
-              <a:t>3/4/2024</a:t>
+              <a:t>3/8/2024</a:t>
             </a:fld>
             <a:endParaRPr lang="en-US" dirty="0"/>
           </a:p>
@@ -6322,7 +6322,7 @@
           <a:p>
             <a:fld id="{63A1C593-65D0-4073-BCC9-577B9352EA97}" type="datetimeFigureOut">
               <a:rPr lang="en-US" smtClean="0"/>
-              <a:t>3/4/2024</a:t>
+              <a:t>3/8/2024</a:t>
             </a:fld>
             <a:endParaRPr lang="en-US" dirty="0"/>
           </a:p>
@@ -6806,7 +6806,7 @@
         </p:nvSpPr>
         <p:spPr>
           <a:xfrm>
-            <a:off x="1832173" y="2769909"/>
+            <a:off x="1729503" y="1775352"/>
             <a:ext cx="7693964" cy="1318181"/>
           </a:xfrm>
           <a:prstGeom prst="rect">
@@ -6845,157 +6845,65 @@
           </a:p>
         </p:txBody>
       </p:sp>
-      <p:grpSp>
-        <p:nvGrpSpPr>
-          <p:cNvPr id="6" name="Group 6">
+      <p:sp>
+        <p:nvSpPr>
+          <p:cNvPr id="8" name="Freeform 8">
             <a:extLst>
               <a:ext uri="{FF2B5EF4-FFF2-40B4-BE49-F238E27FC236}">
-                <a16:creationId xmlns:a16="http://schemas.microsoft.com/office/drawing/2014/main" id="{A459EEF2-AEFF-D6D7-C94A-3B4BAEF51F3D}"/>
+                <a16:creationId xmlns:a16="http://schemas.microsoft.com/office/drawing/2014/main" id="{D760BA0A-F28D-2231-2DD6-06E63D558ABA}"/>
               </a:ext>
             </a:extLst>
           </p:cNvPr>
-          <p:cNvGrpSpPr/>
+          <p:cNvSpPr/>
           <p:nvPr/>
-        </p:nvGrpSpPr>
-        <p:grpSpPr>
+        </p:nvSpPr>
+        <p:spPr>
           <a:xfrm>
             <a:off x="313382" y="282049"/>
-            <a:ext cx="7441763" cy="1493303"/>
-            <a:chOff x="0" y="0"/>
-            <a:chExt cx="9922350" cy="1991070"/>
+            <a:ext cx="1430635" cy="1493303"/>
           </a:xfrm>
-        </p:grpSpPr>
-        <p:sp>
-          <p:nvSpPr>
-            <p:cNvPr id="7" name="TextBox 7">
-              <a:extLst>
-                <a:ext uri="{FF2B5EF4-FFF2-40B4-BE49-F238E27FC236}">
-                  <a16:creationId xmlns:a16="http://schemas.microsoft.com/office/drawing/2014/main" id="{D9E0438A-A303-BE57-99B7-6DFA48CCFA0A}"/>
-                </a:ext>
-              </a:extLst>
-            </p:cNvPr>
-            <p:cNvSpPr txBox="1"/>
-            <p:nvPr/>
-          </p:nvSpPr>
-          <p:spPr>
-            <a:xfrm>
-              <a:off x="2025054" y="630128"/>
-              <a:ext cx="7897296" cy="721288"/>
-            </a:xfrm>
-            <a:prstGeom prst="rect">
-              <a:avLst/>
-            </a:prstGeom>
-          </p:spPr>
-          <p:txBody>
-            <a:bodyPr lIns="0" tIns="0" rIns="0" bIns="0" rtlCol="0" anchor="t">
-              <a:spAutoFit/>
-            </a:bodyPr>
-            <a:lstStyle/>
-            <a:p>
-              <a:pPr marL="0" lvl="0" indent="0">
-                <a:lnSpc>
-                  <a:spcPts val="4212"/>
-                </a:lnSpc>
-                <a:spcBef>
-                  <a:spcPct val="0"/>
-                </a:spcBef>
-              </a:pPr>
-              <a:r>
-                <a:rPr lang="en-US" sz="3510" dirty="0" err="1">
-                  <a:solidFill>
-                    <a:srgbClr val="000000"/>
-                  </a:solidFill>
-                  <a:latin typeface="IBM Plex Sans"/>
-                </a:rPr>
-                <a:t>Universite</a:t>
-              </a:r>
-              <a:r>
-                <a:rPr lang="en-US" sz="3510" dirty="0">
-                  <a:solidFill>
-                    <a:srgbClr val="000000"/>
-                  </a:solidFill>
-                  <a:latin typeface="IBM Plex Sans"/>
-                </a:rPr>
-                <a:t> Joseph Ki-</a:t>
-              </a:r>
-              <a:r>
-                <a:rPr lang="en-US" sz="3510" dirty="0" err="1">
-                  <a:solidFill>
-                    <a:srgbClr val="000000"/>
-                  </a:solidFill>
-                  <a:latin typeface="IBM Plex Sans"/>
-                </a:rPr>
-                <a:t>zebo</a:t>
-              </a:r>
-              <a:endParaRPr lang="en-US" sz="3510" dirty="0">
-                <a:solidFill>
-                  <a:srgbClr val="000000"/>
-                </a:solidFill>
-                <a:latin typeface="IBM Plex Sans"/>
-              </a:endParaRPr>
-            </a:p>
-          </p:txBody>
-        </p:sp>
-        <p:sp>
-          <p:nvSpPr>
-            <p:cNvPr id="8" name="Freeform 8">
-              <a:extLst>
-                <a:ext uri="{FF2B5EF4-FFF2-40B4-BE49-F238E27FC236}">
-                  <a16:creationId xmlns:a16="http://schemas.microsoft.com/office/drawing/2014/main" id="{D760BA0A-F28D-2231-2DD6-06E63D558ABA}"/>
-                </a:ext>
-              </a:extLst>
-            </p:cNvPr>
-            <p:cNvSpPr/>
-            <p:nvPr/>
-          </p:nvSpPr>
-          <p:spPr>
-            <a:xfrm>
-              <a:off x="0" y="0"/>
-              <a:ext cx="1907513" cy="1991070"/>
-            </a:xfrm>
-            <a:custGeom>
-              <a:avLst/>
-              <a:gdLst/>
-              <a:ahLst/>
-              <a:cxnLst/>
-              <a:rect l="l" t="t" r="r" b="b"/>
-              <a:pathLst>
-                <a:path w="1907513" h="1991070">
-                  <a:moveTo>
-                    <a:pt x="0" y="0"/>
-                  </a:moveTo>
-                  <a:lnTo>
-                    <a:pt x="1907513" y="0"/>
-                  </a:lnTo>
-                  <a:lnTo>
-                    <a:pt x="1907513" y="1991070"/>
-                  </a:lnTo>
-                  <a:lnTo>
-                    <a:pt x="0" y="1991070"/>
-                  </a:lnTo>
-                  <a:lnTo>
-                    <a:pt x="0" y="0"/>
-                  </a:lnTo>
-                  <a:close/>
-                </a:path>
-              </a:pathLst>
-            </a:custGeom>
-            <a:blipFill>
-              <a:blip r:embed="rId4"/>
-              <a:stretch>
-                <a:fillRect l="-27820" r="-34756"/>
-              </a:stretch>
-            </a:blipFill>
-          </p:spPr>
-          <p:txBody>
-            <a:bodyPr/>
-            <a:lstStyle/>
-            <a:p>
-              <a:endParaRPr lang="fr-BF"/>
-            </a:p>
-          </p:txBody>
-        </p:sp>
-      </p:grpSp>
+          <a:custGeom>
+            <a:avLst/>
+            <a:gdLst/>
+            <a:ahLst/>
+            <a:cxnLst/>
+            <a:rect l="l" t="t" r="r" b="b"/>
+            <a:pathLst>
+              <a:path w="1907513" h="1991070">
+                <a:moveTo>
+                  <a:pt x="0" y="0"/>
+                </a:moveTo>
+                <a:lnTo>
+                  <a:pt x="1907513" y="0"/>
+                </a:lnTo>
+                <a:lnTo>
+                  <a:pt x="1907513" y="1991070"/>
+                </a:lnTo>
+                <a:lnTo>
+                  <a:pt x="0" y="1991070"/>
+                </a:lnTo>
+                <a:lnTo>
+                  <a:pt x="0" y="0"/>
+                </a:lnTo>
+                <a:close/>
+              </a:path>
+            </a:pathLst>
+          </a:custGeom>
+          <a:blipFill>
+            <a:blip r:embed="rId4"/>
+            <a:stretch>
+              <a:fillRect l="-27820" r="-34756"/>
+            </a:stretch>
+          </a:blipFill>
+        </p:spPr>
+        <p:txBody>
+          <a:bodyPr/>
+          <a:lstStyle/>
+          <a:p>
+            <a:endParaRPr lang="fr-BF"/>
+          </a:p>
+        </p:txBody>
+      </p:sp>
       <p:sp>
         <p:nvSpPr>
           <p:cNvPr id="9" name="ZoneTexte 8">
@@ -7046,8 +6954,8 @@
         </p:nvSpPr>
         <p:spPr>
           <a:xfrm>
-            <a:off x="8004412" y="5244948"/>
-            <a:ext cx="3241344" cy="461665"/>
+            <a:off x="3672114" y="3530201"/>
+            <a:ext cx="3738439" cy="461665"/>
           </a:xfrm>
           <a:prstGeom prst="rect">
             <a:avLst/>
@@ -7062,7 +6970,7 @@
           <a:p>
             <a:r>
               <a:rPr lang="fr-FR" sz="2400" b="1" dirty="0"/>
-              <a:t>Etudiant : ILLY Augustin</a:t>
+              <a:t>Présenté par : ILLY Augustin</a:t>
             </a:r>
             <a:endParaRPr lang="fr-BF" sz="2400" b="1" dirty="0"/>
           </a:p>
